--- a/Dokumentace/Prezentace 2/Prezentace 2.pptx
+++ b/Dokumentace/Prezentace 2/Prezentace 2.pptx
@@ -205,7 +205,7 @@
             <a:fld id="{DB381C85-5648-44A1-BA6F-89F856D72038}" type="datetimeFigureOut">
               <a:rPr lang="cs-CZ" smtClean="0"/>
               <a:pPr/>
-              <a:t>01.01.2017</a:t>
+              <a:t>2.1.2017</a:t>
             </a:fld>
             <a:endParaRPr lang="cs-CZ"/>
           </a:p>
@@ -374,6 +374,11 @@
         </p:txBody>
       </p:sp>
     </p:spTree>
+    <p:extLst>
+      <p:ext uri="{BB962C8B-B14F-4D97-AF65-F5344CB8AC3E}">
+        <p14:creationId xmlns:p14="http://schemas.microsoft.com/office/powerpoint/2010/main" val="1079412935"/>
+      </p:ext>
+    </p:extLst>
   </p:cSld>
   <p:clrMap bg1="lt1" tx1="dk1" bg2="lt2" tx2="dk2" accent1="accent1" accent2="accent2" accent3="accent3" accent4="accent4" accent5="accent5" accent6="accent6" hlink="hlink" folHlink="folHlink"/>
   <p:notesStyle>
@@ -1179,7 +1184,7 @@
             <a:fld id="{9FD9C803-E10A-47CE-A90B-B0E489C7F960}" type="datetimeFigureOut">
               <a:rPr lang="cs-CZ" smtClean="0"/>
               <a:pPr/>
-              <a:t>01.01.2017</a:t>
+              <a:t>2.1.2017</a:t>
             </a:fld>
             <a:endParaRPr lang="cs-CZ" dirty="0"/>
           </a:p>
@@ -1377,7 +1382,7 @@
             <a:fld id="{9FD9C803-E10A-47CE-A90B-B0E489C7F960}" type="datetimeFigureOut">
               <a:rPr lang="cs-CZ" smtClean="0"/>
               <a:pPr/>
-              <a:t>01.01.2017</a:t>
+              <a:t>2.1.2017</a:t>
             </a:fld>
             <a:endParaRPr lang="cs-CZ" dirty="0"/>
           </a:p>
@@ -1564,7 +1569,7 @@
             <a:fld id="{9FD9C803-E10A-47CE-A90B-B0E489C7F960}" type="datetimeFigureOut">
               <a:rPr lang="cs-CZ" smtClean="0"/>
               <a:pPr/>
-              <a:t>01.01.2017</a:t>
+              <a:t>2.1.2017</a:t>
             </a:fld>
             <a:endParaRPr lang="cs-CZ" dirty="0"/>
           </a:p>
@@ -1716,7 +1721,7 @@
             <a:fld id="{9FD9C803-E10A-47CE-A90B-B0E489C7F960}" type="datetimeFigureOut">
               <a:rPr lang="cs-CZ" smtClean="0"/>
               <a:pPr/>
-              <a:t>01.01.2017</a:t>
+              <a:t>2.1.2017</a:t>
             </a:fld>
             <a:endParaRPr lang="cs-CZ" dirty="0"/>
           </a:p>
@@ -1973,7 +1978,7 @@
             <a:fld id="{9FD9C803-E10A-47CE-A90B-B0E489C7F960}" type="datetimeFigureOut">
               <a:rPr lang="cs-CZ" smtClean="0"/>
               <a:pPr/>
-              <a:t>01.01.2017</a:t>
+              <a:t>2.1.2017</a:t>
             </a:fld>
             <a:endParaRPr lang="cs-CZ" dirty="0"/>
           </a:p>
@@ -2384,7 +2389,7 @@
             <a:fld id="{9FD9C803-E10A-47CE-A90B-B0E489C7F960}" type="datetimeFigureOut">
               <a:rPr lang="cs-CZ" smtClean="0"/>
               <a:pPr/>
-              <a:t>01.01.2017</a:t>
+              <a:t>2.1.2017</a:t>
             </a:fld>
             <a:endParaRPr lang="cs-CZ" dirty="0"/>
           </a:p>
@@ -2832,7 +2837,7 @@
             <a:fld id="{9FD9C803-E10A-47CE-A90B-B0E489C7F960}" type="datetimeFigureOut">
               <a:rPr lang="cs-CZ" smtClean="0"/>
               <a:pPr/>
-              <a:t>01.01.2017</a:t>
+              <a:t>2.1.2017</a:t>
             </a:fld>
             <a:endParaRPr lang="cs-CZ" dirty="0"/>
           </a:p>
@@ -2935,7 +2940,7 @@
             <a:fld id="{9FD9C803-E10A-47CE-A90B-B0E489C7F960}" type="datetimeFigureOut">
               <a:rPr lang="cs-CZ" smtClean="0"/>
               <a:pPr/>
-              <a:t>01.01.2017</a:t>
+              <a:t>2.1.2017</a:t>
             </a:fld>
             <a:endParaRPr lang="cs-CZ" dirty="0"/>
           </a:p>
@@ -3058,7 +3063,7 @@
             <a:fld id="{9FD9C803-E10A-47CE-A90B-B0E489C7F960}" type="datetimeFigureOut">
               <a:rPr lang="cs-CZ" smtClean="0"/>
               <a:pPr/>
-              <a:t>01.01.2017</a:t>
+              <a:t>2.1.2017</a:t>
             </a:fld>
             <a:endParaRPr lang="cs-CZ" dirty="0"/>
           </a:p>
@@ -3334,7 +3339,7 @@
             <a:fld id="{9FD9C803-E10A-47CE-A90B-B0E489C7F960}" type="datetimeFigureOut">
               <a:rPr lang="cs-CZ" smtClean="0"/>
               <a:pPr/>
-              <a:t>01.01.2017</a:t>
+              <a:t>2.1.2017</a:t>
             </a:fld>
             <a:endParaRPr lang="cs-CZ" dirty="0"/>
           </a:p>
@@ -3541,7 +3546,7 @@
             <a:fld id="{9FD9C803-E10A-47CE-A90B-B0E489C7F960}" type="datetimeFigureOut">
               <a:rPr lang="cs-CZ" smtClean="0"/>
               <a:pPr/>
-              <a:t>01.01.2017</a:t>
+              <a:t>2.1.2017</a:t>
             </a:fld>
             <a:endParaRPr lang="cs-CZ" dirty="0"/>
           </a:p>
@@ -4652,7 +4657,7 @@
             <a:fld id="{9FD9C803-E10A-47CE-A90B-B0E489C7F960}" type="datetimeFigureOut">
               <a:rPr lang="cs-CZ" smtClean="0"/>
               <a:pPr/>
-              <a:t>01.01.2017</a:t>
+              <a:t>2.1.2017</a:t>
             </a:fld>
             <a:endParaRPr lang="cs-CZ" dirty="0"/>
           </a:p>
@@ -5087,10 +5092,6 @@
               <a:rPr lang="cs-CZ" sz="5400" dirty="0" smtClean="0"/>
               <a:t>Sprint číslo 2</a:t>
             </a:r>
-            <a:r>
-              <a:rPr lang="cs-CZ" sz="5400" dirty="0" smtClean="0"/>
-              <a:t/>
-            </a:r>
             <a:br>
               <a:rPr lang="cs-CZ" sz="5400" dirty="0" smtClean="0"/>
             </a:br>
@@ -5231,6 +5232,13 @@
   <p:clrMapOvr>
     <a:masterClrMapping/>
   </p:clrMapOvr>
+  <p:timing>
+    <p:tnLst>
+      <p:par>
+        <p:cTn id="1" dur="indefinite" restart="never" nodeType="tmRoot"/>
+      </p:par>
+    </p:tnLst>
+  </p:timing>
 </p:sld>
 </file>
 
@@ -5291,6 +5299,13 @@
   <p:clrMapOvr>
     <a:masterClrMapping/>
   </p:clrMapOvr>
+  <p:timing>
+    <p:tnLst>
+      <p:par>
+        <p:cTn id="1" dur="indefinite" restart="never" nodeType="tmRoot"/>
+      </p:par>
+    </p:tnLst>
+  </p:timing>
 </p:sld>
 </file>
 
@@ -5480,6 +5495,13 @@
   <p:clrMapOvr>
     <a:masterClrMapping/>
   </p:clrMapOvr>
+  <p:timing>
+    <p:tnLst>
+      <p:par>
+        <p:cTn id="1" dur="indefinite" restart="never" nodeType="tmRoot"/>
+      </p:par>
+    </p:tnLst>
+  </p:timing>
 </p:sld>
 </file>
 
@@ -5711,13 +5733,8 @@
             </a:pPr>
             <a:r>
               <a:rPr lang="cs-CZ" dirty="0" smtClean="0"/>
-              <a:t>Vytvoření </a:t>
-            </a:r>
-            <a:r>
-              <a:rPr lang="cs-CZ" dirty="0" smtClean="0"/>
-              <a:t>článků</a:t>
-            </a:r>
-            <a:endParaRPr lang="cs-CZ" dirty="0" smtClean="0"/>
+              <a:t>Vytvoření článků</a:t>
+            </a:r>
           </a:p>
           <a:p>
             <a:pPr>
@@ -5727,13 +5744,8 @@
             </a:pPr>
             <a:r>
               <a:rPr lang="cs-CZ" dirty="0" smtClean="0"/>
-              <a:t>Vytvoření </a:t>
-            </a:r>
-            <a:r>
-              <a:rPr lang="cs-CZ" dirty="0" smtClean="0"/>
-              <a:t>příspěvků </a:t>
-            </a:r>
-            <a:endParaRPr lang="cs-CZ" dirty="0" smtClean="0"/>
+              <a:t>Vytvoření příspěvků </a:t>
+            </a:r>
           </a:p>
           <a:p>
             <a:pPr>
@@ -5745,7 +5757,6 @@
               <a:rPr lang="cs-CZ" dirty="0" smtClean="0"/>
               <a:t>Vytvoření produktů</a:t>
             </a:r>
-            <a:endParaRPr lang="cs-CZ" dirty="0" smtClean="0"/>
           </a:p>
           <a:p>
             <a:pPr>
@@ -5755,11 +5766,7 @@
             </a:pPr>
             <a:r>
               <a:rPr lang="cs-CZ" dirty="0" smtClean="0"/>
-              <a:t>Návrh </a:t>
-            </a:r>
-            <a:r>
-              <a:rPr lang="cs-CZ" dirty="0" smtClean="0"/>
-              <a:t>a tvorba grafického stylu</a:t>
+              <a:t>Návrh a tvorba grafického stylu</a:t>
             </a:r>
           </a:p>
           <a:p>
@@ -5772,7 +5779,6 @@
               <a:rPr lang="cs-CZ" dirty="0" smtClean="0"/>
               <a:t>Komplementace a testování systému</a:t>
             </a:r>
-            <a:endParaRPr lang="cs-CZ" dirty="0" smtClean="0"/>
           </a:p>
           <a:p>
             <a:pPr>
@@ -5805,15 +5811,7 @@
           <a:p>
             <a:r>
               <a:rPr lang="cs-CZ" dirty="0" smtClean="0"/>
-              <a:t>Plán </a:t>
-            </a:r>
-            <a:r>
-              <a:rPr lang="cs-CZ" dirty="0" smtClean="0"/>
-              <a:t>2. </a:t>
-            </a:r>
-            <a:r>
-              <a:rPr lang="cs-CZ" dirty="0" smtClean="0"/>
-              <a:t>sprintu</a:t>
+              <a:t>Plán 2. sprintu</a:t>
             </a:r>
             <a:endParaRPr lang="cs-CZ" dirty="0"/>
           </a:p>
@@ -5872,13 +5870,14 @@
               </a:lnSpc>
             </a:pPr>
             <a:r>
+              <a:rPr lang="cs-CZ" smtClean="0"/>
+              <a:t>Vytvoření větví </a:t>
+            </a:r>
+            <a:r>
               <a:rPr lang="cs-CZ" dirty="0" smtClean="0"/>
-              <a:t>Ž</a:t>
-            </a:r>
-            <a:r>
-              <a:rPr lang="cs-CZ" dirty="0" smtClean="0"/>
-              <a:t>ádné větší změny </a:t>
-            </a:r>
+              <a:t>pro každého člena </a:t>
+            </a:r>
+            <a:endParaRPr lang="cs-CZ" dirty="0" smtClean="0"/>
           </a:p>
           <a:p>
             <a:pPr>
@@ -6243,7 +6242,6 @@
               <a:rPr lang="cs-CZ" dirty="0" smtClean="0"/>
               <a:t>Vytvoření nového projektu pro sprint 2</a:t>
             </a:r>
-            <a:endParaRPr lang="cs-CZ" dirty="0" smtClean="0"/>
           </a:p>
           <a:p>
             <a:pPr>
@@ -6282,7 +6280,6 @@
               <a:rPr lang="cs-CZ" dirty="0" smtClean="0"/>
               <a:t>Použití více barev pro lepší odlišení úkolů</a:t>
             </a:r>
-            <a:endParaRPr lang="cs-CZ" dirty="0" smtClean="0"/>
           </a:p>
         </p:txBody>
       </p:sp>
